--- a/Slides/20486Core_06.pptx
+++ b/Slides/20486Core_06.pptx
@@ -50,41 +50,41 @@
   <p:notesSz cx="6858000" cy="9144000"/>
   <p:embeddedFontLst>
     <p:embeddedFont>
-      <p:font typeface="Segoe UI" panose="020B0502040204020203" pitchFamily="34" charset="0"/>
+      <p:font typeface="Consolas" panose="020B0609020204030204" pitchFamily="49" charset="0"/>
       <p:regular r:id="rId40"/>
       <p:bold r:id="rId41"/>
       <p:italic r:id="rId42"/>
       <p:boldItalic r:id="rId43"/>
     </p:embeddedFont>
     <p:embeddedFont>
-      <p:font typeface="Consolas" panose="020B0609020204030204" pitchFamily="49" charset="0"/>
+      <p:font typeface="Calibri" panose="020F0502020204030204" pitchFamily="34" charset="0"/>
       <p:regular r:id="rId44"/>
       <p:bold r:id="rId45"/>
       <p:italic r:id="rId46"/>
       <p:boldItalic r:id="rId47"/>
     </p:embeddedFont>
     <p:embeddedFont>
-      <p:font typeface="Calibri" panose="020F0502020204030204" pitchFamily="34" charset="0"/>
+      <p:font typeface="Verdana" panose="020B0604030504040204" pitchFamily="34" charset="0"/>
       <p:regular r:id="rId48"/>
       <p:bold r:id="rId49"/>
       <p:italic r:id="rId50"/>
       <p:boldItalic r:id="rId51"/>
     </p:embeddedFont>
     <p:embeddedFont>
-      <p:font typeface="Verdana" panose="020B0604030504040204" pitchFamily="34" charset="0"/>
+      <p:font typeface="Lucida Sans Unicode" panose="020B0602030504020204" pitchFamily="34" charset="0"/>
       <p:regular r:id="rId52"/>
-      <p:bold r:id="rId53"/>
-      <p:italic r:id="rId54"/>
-      <p:boldItalic r:id="rId55"/>
-    </p:embeddedFont>
-    <p:embeddedFont>
-      <p:font typeface="Lucida Sans Unicode" panose="020B0602030504020204" pitchFamily="34" charset="0"/>
-      <p:regular r:id="rId56"/>
     </p:embeddedFont>
     <p:embeddedFont>
       <p:font typeface="Segoe UI Light" panose="020B0502040204020203" pitchFamily="34" charset="0"/>
-      <p:regular r:id="rId57"/>
-      <p:italic r:id="rId58"/>
+      <p:regular r:id="rId53"/>
+      <p:italic r:id="rId54"/>
+    </p:embeddedFont>
+    <p:embeddedFont>
+      <p:font typeface="Segoe UI" panose="020B0502040204020203" pitchFamily="34" charset="0"/>
+      <p:regular r:id="rId55"/>
+      <p:bold r:id="rId56"/>
+      <p:italic r:id="rId57"/>
+      <p:boldItalic r:id="rId58"/>
     </p:embeddedFont>
   </p:embeddedFontLst>
   <p:custDataLst>
@@ -301,7 +301,7 @@
             <a:fld id="{CC9AFFE3-1BDF-46CF-BF58-24443CCA3965}" type="datetimeFigureOut">
               <a:rPr lang="en-US" smtClean="0"/>
               <a:pPr/>
-              <a:t>11/9/2016</a:t>
+              <a:t>12/20/2016</a:t>
             </a:fld>
             <a:endParaRPr lang="en-US"/>
           </a:p>
@@ -15381,24 +15381,20 @@
             <a:spLocks noGrp="1"/>
           </p:cNvSpPr>
           <p:nvPr>
-            <p:ph type="ctrTitle" sz="quarter"/>
+            <p:ph type="title"/>
           </p:nvPr>
         </p:nvSpPr>
-        <p:spPr>
-          <a:xfrm>
-            <a:off x="3106782" y="3169492"/>
-            <a:ext cx="5732417" cy="340093"/>
-          </a:xfrm>
-        </p:spPr>
+        <p:spPr/>
         <p:txBody>
           <a:bodyPr/>
           <a:lstStyle/>
           <a:p>
-            <a:r>
-              <a:rPr lang="en-US" sz="2600" smtClean="0"/>
+            <a:pPr algn="ctr"/>
+            <a:r>
+              <a:rPr lang="en-US" sz="2600" dirty="0" smtClean="0"/>
               <a:t>Module06</a:t>
             </a:r>
-            <a:endParaRPr lang="en-US" sz="2600"/>
+            <a:endParaRPr lang="en-US" sz="2600" dirty="0"/>
           </a:p>
         </p:txBody>
       </p:sp>
@@ -15409,27 +15405,50 @@
             <a:spLocks noGrp="1"/>
           </p:cNvSpPr>
           <p:nvPr>
-            <p:ph type="subTitle" sz="quarter" idx="1"/>
+            <p:ph idx="1"/>
           </p:nvPr>
         </p:nvSpPr>
         <p:spPr/>
         <p:txBody>
-          <a:bodyPr/>
+          <a:bodyPr anchor="ctr"/>
           <a:lstStyle/>
           <a:p>
-            <a:r>
-              <a:rPr lang="en-US" dirty="0" smtClean="0"/>
-              <a:t>Testing and Debugging ASP.NET MVC </a:t>
-            </a:r>
-            <a:r>
-              <a:rPr lang="en-US" dirty="0" smtClean="0"/>
-              <a:t>Core </a:t>
-            </a:r>
-            <a:r>
-              <a:rPr lang="en-US" dirty="0" smtClean="0"/>
-              <a:t>Web Applications</a:t>
-            </a:r>
-            <a:endParaRPr lang="en-US" dirty="0"/>
+            <a:pPr marL="0" indent="0" algn="ctr">
+              <a:buNone/>
+            </a:pPr>
+            <a:r>
+              <a:rPr lang="en-US" sz="4400" dirty="0" smtClean="0"/>
+              <a:t>Testing and Debugging </a:t>
+            </a:r>
+            <a:endParaRPr lang="en-US" sz="4400" dirty="0" smtClean="0"/>
+          </a:p>
+          <a:p>
+            <a:pPr marL="0" indent="0" algn="ctr">
+              <a:buNone/>
+            </a:pPr>
+            <a:r>
+              <a:rPr lang="en-US" sz="4400" dirty="0" smtClean="0"/>
+              <a:t>ASP.NET </a:t>
+            </a:r>
+            <a:r>
+              <a:rPr lang="en-US" sz="4400" dirty="0" smtClean="0"/>
+              <a:t>MVC Core </a:t>
+            </a:r>
+            <a:endParaRPr lang="en-US" sz="4400" dirty="0" smtClean="0"/>
+          </a:p>
+          <a:p>
+            <a:pPr marL="0" indent="0" algn="ctr">
+              <a:buNone/>
+            </a:pPr>
+            <a:r>
+              <a:rPr lang="en-US" sz="4400" dirty="0" smtClean="0"/>
+              <a:t>Web </a:t>
+            </a:r>
+            <a:r>
+              <a:rPr lang="en-US" sz="4400" dirty="0" smtClean="0"/>
+              <a:t>Applications</a:t>
+            </a:r>
+            <a:endParaRPr lang="en-US" sz="4400" dirty="0"/>
           </a:p>
         </p:txBody>
       </p:sp>
@@ -15606,15 +15625,7 @@
           <a:p>
             <a:r>
               <a:rPr lang="en-US" dirty="0" smtClean="0"/>
-              <a:t>Lesson </a:t>
-            </a:r>
-            <a:r>
-              <a:rPr lang="en-US" dirty="0" smtClean="0"/>
-              <a:t>2: </a:t>
-            </a:r>
-            <a:r>
-              <a:rPr lang="en-US" dirty="0" smtClean="0"/>
-              <a:t>Unit Testing MVC Components</a:t>
+              <a:t>Lesson 2: Unit Testing MVC Components</a:t>
             </a:r>
             <a:endParaRPr lang="en-US" dirty="0"/>
           </a:p>
@@ -15637,11 +15648,7 @@
           <a:p>
             <a:r>
               <a:rPr lang="en-US" dirty="0" smtClean="0"/>
-              <a:t>Writing </a:t>
-            </a:r>
-            <a:r>
-              <a:rPr lang="en-US" dirty="0" smtClean="0"/>
-              <a:t>Loosely Coupled MVC Components
+              <a:t>Writing Loosely Coupled MVC Components
 Writing Unit Tests for MVC Components
 Specifying the Correct Context
 Demonstration: How to Run Unit Tests
@@ -16271,15 +16278,7 @@
           <a:p>
             <a:r>
               <a:rPr lang="en-US" sz="2600" dirty="0" smtClean="0"/>
-              <a:t>You can test an MVC web application project by adding a new </a:t>
-            </a:r>
-            <a:r>
-              <a:rPr lang="en-US" sz="2600" dirty="0" smtClean="0"/>
-              <a:t>test project </a:t>
-            </a:r>
-            <a:r>
-              <a:rPr lang="en-US" sz="2600" dirty="0" smtClean="0"/>
-              <a:t>to the solution</a:t>
+              <a:t>You can test an MVC web application project by adding a new test project to the solution</a:t>
             </a:r>
           </a:p>
           <a:p>
@@ -16371,15 +16370,7 @@
           <a:p>
             <a:r>
               <a:rPr lang="en-US" dirty="0" smtClean="0"/>
-              <a:t>Using </a:t>
-            </a:r>
-            <a:r>
-              <a:rPr lang="en-US" dirty="0" smtClean="0"/>
-              <a:t>DI </a:t>
-            </a:r>
-            <a:r>
-              <a:rPr lang="en-US" dirty="0" smtClean="0"/>
-              <a:t>to Specify Repositories</a:t>
+              <a:t>Using DI to Specify Repositories</a:t>
             </a:r>
             <a:endParaRPr lang="en-US" dirty="0"/>
           </a:p>
@@ -17783,11 +17774,7 @@
           <a:p>
             <a:r>
               <a:rPr lang="en-US" dirty="0" smtClean="0"/>
-              <a:t>Using a Test Double in a Unit </a:t>
-            </a:r>
-            <a:r>
-              <a:rPr lang="en-US" dirty="0" smtClean="0"/>
-              <a:t>Test with </a:t>
+              <a:t>Using a Test Double in a Unit Test with </a:t>
             </a:r>
             <a:r>
               <a:rPr lang="en-US" dirty="0" err="1" smtClean="0"/>
@@ -19257,31 +19244,19 @@
           <a:p>
             <a:r>
               <a:rPr lang="en-US" dirty="0" smtClean="0"/>
-              <a:t>Unit Testing </a:t>
-            </a:r>
+              <a:t>Unit Testing in .NET Core</a:t>
+            </a:r>
+          </a:p>
+          <a:p>
             <a:r>
               <a:rPr lang="en-US" dirty="0" smtClean="0"/>
-              <a:t>in .NET Core</a:t>
+              <a:t>Unit Testing MVC Components</a:t>
             </a:r>
           </a:p>
           <a:p>
             <a:r>
               <a:rPr lang="en-US" dirty="0" smtClean="0"/>
-              <a:t>Unit Testing </a:t>
-            </a:r>
-            <a:r>
-              <a:rPr lang="en-US" dirty="0" smtClean="0"/>
-              <a:t>MVC Components</a:t>
-            </a:r>
-          </a:p>
-          <a:p>
-            <a:r>
-              <a:rPr lang="en-US" dirty="0" smtClean="0"/>
-              <a:t>Integration Testing</a:t>
-            </a:r>
-            <a:r>
-              <a:rPr lang="en-US" dirty="0" smtClean="0"/>
-              <a:t>
+              <a:t>Integration Testing
 Implementing an Exception Handling Strategy</a:t>
             </a:r>
             <a:endParaRPr lang="en-US" dirty="0"/>
@@ -19936,11 +19911,7 @@
             <a:r>
               <a:rPr lang="en-US" dirty="0" smtClean="0"/>
               <a:t>
-Logging </a:t>
-            </a:r>
-            <a:r>
-              <a:rPr lang="en-US" dirty="0" smtClean="0"/>
-              <a:t>Exceptions</a:t>
+Logging Exceptions</a:t>
             </a:r>
             <a:endParaRPr lang="en-US" dirty="0"/>
           </a:p>
@@ -21570,11 +21541,7 @@
           <a:p>
             <a:r>
               <a:rPr lang="en-US" dirty="0" smtClean="0"/>
-              <a:t>Lesson 1: Unit Testing </a:t>
-            </a:r>
-            <a:r>
-              <a:rPr lang="en-US" dirty="0" smtClean="0"/>
-              <a:t>in .NET Core</a:t>
+              <a:t>Lesson 1: Unit Testing in .NET Core</a:t>
             </a:r>
             <a:endParaRPr lang="en-US" dirty="0"/>
           </a:p>
@@ -23552,7 +23519,15 @@
           <a:p>
             <a:r>
               <a:rPr lang="en-US" smtClean="0"/>
-              <a:t>Lab: Testing and Debugging ASP.NET MVC 4 Web Applications</a:t>
+              <a:t>Lab: Testing and Debugging ASP.NET MVC </a:t>
+            </a:r>
+            <a:r>
+              <a:rPr lang="en-US" smtClean="0"/>
+              <a:t>Core </a:t>
+            </a:r>
+            <a:r>
+              <a:rPr lang="en-US" smtClean="0"/>
+              <a:t>Web Applications</a:t>
             </a:r>
             <a:endParaRPr lang="en-US"/>
           </a:p>
